--- a/Presentazione standard1.pptx
+++ b/Presentazione standard1.pptx
@@ -5,13 +5,20 @@
     <p:sldMasterId id="2147483648" r:id="rId2"/>
   </p:sldMasterIdLst>
   <p:notesMasterIdLst>
-    <p:notesMasterId r:id="rId7"/>
+    <p:notesMasterId r:id="rId14"/>
   </p:notesMasterIdLst>
   <p:sldIdLst>
     <p:sldId id="256" r:id="rId3"/>
     <p:sldId id="257" r:id="rId4"/>
     <p:sldId id="259" r:id="rId5"/>
     <p:sldId id="258" r:id="rId6"/>
+    <p:sldId id="260" r:id="rId7"/>
+    <p:sldId id="261" r:id="rId8"/>
+    <p:sldId id="262" r:id="rId9"/>
+    <p:sldId id="263" r:id="rId10"/>
+    <p:sldId id="264" r:id="rId11"/>
+    <p:sldId id="265" r:id="rId12"/>
+    <p:sldId id="266" r:id="rId13"/>
   </p:sldIdLst>
   <p:sldSz cx="9144000" cy="6858000" type="screen4x3"/>
   <p:notesSz cx="6858000" cy="9144000"/>
@@ -212,7 +219,7 @@
             <a:fld id="{EE1B60E7-371F-4D57-A57E-BBE80A4B8E3F}" type="datetimeFigureOut">
               <a:rPr lang="en-US" smtClean="0"/>
               <a:pPr/>
-              <a:t>11/14/2016</a:t>
+              <a:t>11/26/2016</a:t>
             </a:fld>
             <a:endParaRPr lang="en-US"/>
           </a:p>
@@ -730,7 +737,7 @@
                   </a:prstClr>
                 </a:solidFill>
               </a:rPr>
-              <a:t>11/14/2016</a:t>
+              <a:t>11/26/2016</a:t>
             </a:fld>
             <a:endParaRPr lang="en-US" dirty="0">
               <a:solidFill>
@@ -993,7 +1000,7 @@
                   </a:prstClr>
                 </a:solidFill>
               </a:rPr>
-              <a:t>11/14/2016</a:t>
+              <a:t>11/26/2016</a:t>
             </a:fld>
             <a:endParaRPr lang="en-US" dirty="0">
               <a:solidFill>
@@ -1820,6 +1827,624 @@
 </p:sld>
 </file>
 
+<file path=ppt/slides/slide10.xml><?xml version="1.0" encoding="utf-8"?>
+<p:sld xmlns:a="http://schemas.openxmlformats.org/drawingml/2006/main" xmlns:r="http://schemas.openxmlformats.org/officeDocument/2006/relationships" xmlns:p="http://schemas.openxmlformats.org/presentationml/2006/main">
+  <p:cSld>
+    <p:spTree>
+      <p:nvGrpSpPr>
+        <p:cNvPr id="1" name=""/>
+        <p:cNvGrpSpPr/>
+        <p:nvPr/>
+      </p:nvGrpSpPr>
+      <p:grpSpPr>
+        <a:xfrm>
+          <a:off x="0" y="0"/>
+          <a:ext cx="0" cy="0"/>
+          <a:chOff x="0" y="0"/>
+          <a:chExt cx="0" cy="0"/>
+        </a:xfrm>
+      </p:grpSpPr>
+      <p:sp>
+        <p:nvSpPr>
+          <p:cNvPr id="4" name="Titolo 1"/>
+          <p:cNvSpPr>
+            <a:spLocks noGrp="1"/>
+          </p:cNvSpPr>
+          <p:nvPr>
+            <p:ph type="ctrTitle"/>
+          </p:nvPr>
+        </p:nvSpPr>
+        <p:spPr>
+          <a:xfrm>
+            <a:off x="685800" y="980728"/>
+            <a:ext cx="7772400" cy="1107556"/>
+          </a:xfrm>
+        </p:spPr>
+        <p:txBody>
+          <a:bodyPr/>
+          <a:lstStyle/>
+          <a:p>
+            <a:r>
+              <a:rPr lang="it-IT" dirty="0"/>
+              <a:t>Codifica</a:t>
+            </a:r>
+          </a:p>
+        </p:txBody>
+      </p:sp>
+      <p:pic>
+        <p:nvPicPr>
+          <p:cNvPr id="6" name="Immagine 5"/>
+          <p:cNvPicPr>
+            <a:picLocks noChangeAspect="1"/>
+          </p:cNvPicPr>
+          <p:nvPr/>
+        </p:nvPicPr>
+        <p:blipFill>
+          <a:blip r:embed="rId2" cstate="print">
+            <a:extLst>
+              <a:ext uri="{28A0092B-C50C-407E-A947-70E740481C1C}">
+                <a14:useLocalDpi xmlns:a14="http://schemas.microsoft.com/office/drawing/2010/main" val="0"/>
+              </a:ext>
+            </a:extLst>
+          </a:blip>
+          <a:stretch>
+            <a:fillRect/>
+          </a:stretch>
+        </p:blipFill>
+        <p:spPr>
+          <a:xfrm>
+            <a:off x="467544" y="2200737"/>
+            <a:ext cx="1573375" cy="1180031"/>
+          </a:xfrm>
+          <a:prstGeom prst="rect">
+            <a:avLst/>
+          </a:prstGeom>
+        </p:spPr>
+      </p:pic>
+      <p:pic>
+        <p:nvPicPr>
+          <p:cNvPr id="7" name="Immagine 6"/>
+          <p:cNvPicPr>
+            <a:picLocks noChangeAspect="1"/>
+          </p:cNvPicPr>
+          <p:nvPr/>
+        </p:nvPicPr>
+        <p:blipFill>
+          <a:blip r:embed="rId3"/>
+          <a:stretch>
+            <a:fillRect/>
+          </a:stretch>
+        </p:blipFill>
+        <p:spPr>
+          <a:xfrm>
+            <a:off x="2501222" y="2015881"/>
+            <a:ext cx="4341698" cy="3384376"/>
+          </a:xfrm>
+          <a:prstGeom prst="rect">
+            <a:avLst/>
+          </a:prstGeom>
+        </p:spPr>
+      </p:pic>
+      <p:pic>
+        <p:nvPicPr>
+          <p:cNvPr id="8" name="Immagine 7"/>
+          <p:cNvPicPr>
+            <a:picLocks noChangeAspect="1"/>
+          </p:cNvPicPr>
+          <p:nvPr/>
+        </p:nvPicPr>
+        <p:blipFill>
+          <a:blip r:embed="rId4" cstate="print">
+            <a:extLst>
+              <a:ext uri="{28A0092B-C50C-407E-A947-70E740481C1C}">
+                <a14:useLocalDpi xmlns:a14="http://schemas.microsoft.com/office/drawing/2010/main" val="0"/>
+              </a:ext>
+            </a:extLst>
+          </a:blip>
+          <a:stretch>
+            <a:fillRect/>
+          </a:stretch>
+        </p:blipFill>
+        <p:spPr>
+          <a:xfrm>
+            <a:off x="7236296" y="2132856"/>
+            <a:ext cx="1368152" cy="1368152"/>
+          </a:xfrm>
+          <a:prstGeom prst="rect">
+            <a:avLst/>
+          </a:prstGeom>
+        </p:spPr>
+      </p:pic>
+      <p:pic>
+        <p:nvPicPr>
+          <p:cNvPr id="9" name="Immagine 8"/>
+          <p:cNvPicPr>
+            <a:picLocks noChangeAspect="1"/>
+          </p:cNvPicPr>
+          <p:nvPr/>
+        </p:nvPicPr>
+        <p:blipFill>
+          <a:blip r:embed="rId5">
+            <a:extLst>
+              <a:ext uri="{28A0092B-C50C-407E-A947-70E740481C1C}">
+                <a14:useLocalDpi xmlns:a14="http://schemas.microsoft.com/office/drawing/2010/main" val="0"/>
+              </a:ext>
+            </a:extLst>
+          </a:blip>
+          <a:stretch>
+            <a:fillRect/>
+          </a:stretch>
+        </p:blipFill>
+        <p:spPr>
+          <a:xfrm>
+            <a:off x="7308304" y="3742730"/>
+            <a:ext cx="1369780" cy="1369780"/>
+          </a:xfrm>
+          <a:prstGeom prst="rect">
+            <a:avLst/>
+          </a:prstGeom>
+        </p:spPr>
+      </p:pic>
+      <p:pic>
+        <p:nvPicPr>
+          <p:cNvPr id="10" name="Immagine 9"/>
+          <p:cNvPicPr>
+            <a:picLocks noChangeAspect="1"/>
+          </p:cNvPicPr>
+          <p:nvPr/>
+        </p:nvPicPr>
+        <p:blipFill>
+          <a:blip r:embed="rId6" cstate="print">
+            <a:extLst>
+              <a:ext uri="{28A0092B-C50C-407E-A947-70E740481C1C}">
+                <a14:useLocalDpi xmlns:a14="http://schemas.microsoft.com/office/drawing/2010/main" val="0"/>
+              </a:ext>
+            </a:extLst>
+          </a:blip>
+          <a:stretch>
+            <a:fillRect/>
+          </a:stretch>
+        </p:blipFill>
+        <p:spPr>
+          <a:xfrm>
+            <a:off x="251520" y="3416437"/>
+            <a:ext cx="1983820" cy="1983820"/>
+          </a:xfrm>
+          <a:prstGeom prst="rect">
+            <a:avLst/>
+          </a:prstGeom>
+        </p:spPr>
+      </p:pic>
+    </p:spTree>
+    <p:extLst>
+      <p:ext uri="{BB962C8B-B14F-4D97-AF65-F5344CB8AC3E}">
+        <p14:creationId xmlns:p14="http://schemas.microsoft.com/office/powerpoint/2010/main" val="1371286497"/>
+      </p:ext>
+    </p:extLst>
+  </p:cSld>
+  <p:clrMapOvr>
+    <a:masterClrMapping/>
+  </p:clrMapOvr>
+</p:sld>
+</file>
+
+<file path=ppt/slides/slide11.xml><?xml version="1.0" encoding="utf-8"?>
+<p:sld xmlns:a="http://schemas.openxmlformats.org/drawingml/2006/main" xmlns:r="http://schemas.openxmlformats.org/officeDocument/2006/relationships" xmlns:p="http://schemas.openxmlformats.org/presentationml/2006/main">
+  <p:cSld>
+    <p:spTree>
+      <p:nvGrpSpPr>
+        <p:cNvPr id="1" name=""/>
+        <p:cNvGrpSpPr/>
+        <p:nvPr/>
+      </p:nvGrpSpPr>
+      <p:grpSpPr>
+        <a:xfrm>
+          <a:off x="0" y="0"/>
+          <a:ext cx="0" cy="0"/>
+          <a:chOff x="0" y="0"/>
+          <a:chExt cx="0" cy="0"/>
+        </a:xfrm>
+      </p:grpSpPr>
+      <p:sp>
+        <p:nvSpPr>
+          <p:cNvPr id="6" name="Titolo 1"/>
+          <p:cNvSpPr>
+            <a:spLocks noGrp="1"/>
+          </p:cNvSpPr>
+          <p:nvPr>
+            <p:ph type="ctrTitle"/>
+          </p:nvPr>
+        </p:nvSpPr>
+        <p:spPr>
+          <a:xfrm>
+            <a:off x="685800" y="980728"/>
+            <a:ext cx="7772400" cy="1107556"/>
+          </a:xfrm>
+        </p:spPr>
+        <p:txBody>
+          <a:bodyPr/>
+          <a:lstStyle/>
+          <a:p>
+            <a:r>
+              <a:rPr lang="it-IT" dirty="0"/>
+              <a:t>Codifica</a:t>
+            </a:r>
+          </a:p>
+        </p:txBody>
+      </p:sp>
+      <p:pic>
+        <p:nvPicPr>
+          <p:cNvPr id="8" name="Immagine 7"/>
+          <p:cNvPicPr>
+            <a:picLocks noChangeAspect="1"/>
+          </p:cNvPicPr>
+          <p:nvPr/>
+        </p:nvPicPr>
+        <p:blipFill>
+          <a:blip r:embed="rId2"/>
+          <a:stretch>
+            <a:fillRect/>
+          </a:stretch>
+        </p:blipFill>
+        <p:spPr>
+          <a:xfrm>
+            <a:off x="179512" y="2204864"/>
+            <a:ext cx="3899606" cy="2787383"/>
+          </a:xfrm>
+          <a:prstGeom prst="rect">
+            <a:avLst/>
+          </a:prstGeom>
+        </p:spPr>
+      </p:pic>
+      <p:pic>
+        <p:nvPicPr>
+          <p:cNvPr id="10" name="Immagine 9"/>
+          <p:cNvPicPr>
+            <a:picLocks noChangeAspect="1"/>
+          </p:cNvPicPr>
+          <p:nvPr/>
+        </p:nvPicPr>
+        <p:blipFill>
+          <a:blip r:embed="rId3"/>
+          <a:stretch>
+            <a:fillRect/>
+          </a:stretch>
+        </p:blipFill>
+        <p:spPr>
+          <a:xfrm>
+            <a:off x="4355976" y="2272199"/>
+            <a:ext cx="4491037" cy="2652712"/>
+          </a:xfrm>
+          <a:prstGeom prst="rect">
+            <a:avLst/>
+          </a:prstGeom>
+        </p:spPr>
+      </p:pic>
+      <p:sp>
+        <p:nvSpPr>
+          <p:cNvPr id="11" name="Rettangolo 10"/>
+          <p:cNvSpPr/>
+          <p:nvPr/>
+        </p:nvSpPr>
+        <p:spPr>
+          <a:xfrm>
+            <a:off x="1851076" y="3140968"/>
+            <a:ext cx="293619" cy="216024"/>
+          </a:xfrm>
+          <a:prstGeom prst="rect">
+            <a:avLst/>
+          </a:prstGeom>
+          <a:noFill/>
+          <a:ln>
+            <a:solidFill>
+              <a:srgbClr val="9B0014"/>
+            </a:solidFill>
+          </a:ln>
+        </p:spPr>
+        <p:style>
+          <a:lnRef idx="2">
+            <a:schemeClr val="accent1">
+              <a:shade val="50000"/>
+            </a:schemeClr>
+          </a:lnRef>
+          <a:fillRef idx="1">
+            <a:schemeClr val="accent1"/>
+          </a:fillRef>
+          <a:effectRef idx="0">
+            <a:schemeClr val="accent1"/>
+          </a:effectRef>
+          <a:fontRef idx="minor">
+            <a:schemeClr val="lt1"/>
+          </a:fontRef>
+        </p:style>
+        <p:txBody>
+          <a:bodyPr rtlCol="0" anchor="ctr"/>
+          <a:lstStyle/>
+          <a:p>
+            <a:pPr algn="ctr"/>
+            <a:endParaRPr lang="it-IT"/>
+          </a:p>
+        </p:txBody>
+      </p:sp>
+      <p:sp>
+        <p:nvSpPr>
+          <p:cNvPr id="12" name="Rettangolo 11"/>
+          <p:cNvSpPr/>
+          <p:nvPr/>
+        </p:nvSpPr>
+        <p:spPr>
+          <a:xfrm>
+            <a:off x="6660232" y="2996953"/>
+            <a:ext cx="1080120" cy="216024"/>
+          </a:xfrm>
+          <a:prstGeom prst="rect">
+            <a:avLst/>
+          </a:prstGeom>
+          <a:noFill/>
+          <a:ln>
+            <a:solidFill>
+              <a:srgbClr val="9B0014"/>
+            </a:solidFill>
+          </a:ln>
+        </p:spPr>
+        <p:style>
+          <a:lnRef idx="2">
+            <a:schemeClr val="accent1">
+              <a:shade val="50000"/>
+            </a:schemeClr>
+          </a:lnRef>
+          <a:fillRef idx="1">
+            <a:schemeClr val="accent1"/>
+          </a:fillRef>
+          <a:effectRef idx="0">
+            <a:schemeClr val="accent1"/>
+          </a:effectRef>
+          <a:fontRef idx="minor">
+            <a:schemeClr val="lt1"/>
+          </a:fontRef>
+        </p:style>
+        <p:txBody>
+          <a:bodyPr rtlCol="0" anchor="ctr"/>
+          <a:lstStyle/>
+          <a:p>
+            <a:pPr algn="ctr"/>
+            <a:endParaRPr lang="it-IT"/>
+          </a:p>
+        </p:txBody>
+      </p:sp>
+      <p:cxnSp>
+        <p:nvCxnSpPr>
+          <p:cNvPr id="14" name="Connettore diritto 13"/>
+          <p:cNvCxnSpPr>
+            <a:stCxn id="11" idx="3"/>
+            <a:endCxn id="12" idx="1"/>
+          </p:cNvCxnSpPr>
+          <p:nvPr/>
+        </p:nvCxnSpPr>
+        <p:spPr>
+          <a:xfrm flipV="1">
+            <a:off x="2144695" y="3104965"/>
+            <a:ext cx="4515537" cy="144015"/>
+          </a:xfrm>
+          <a:prstGeom prst="line">
+            <a:avLst/>
+          </a:prstGeom>
+          <a:ln>
+            <a:solidFill>
+              <a:srgbClr val="9B0014"/>
+            </a:solidFill>
+          </a:ln>
+        </p:spPr>
+        <p:style>
+          <a:lnRef idx="1">
+            <a:schemeClr val="accent1"/>
+          </a:lnRef>
+          <a:fillRef idx="0">
+            <a:schemeClr val="accent1"/>
+          </a:fillRef>
+          <a:effectRef idx="0">
+            <a:schemeClr val="accent1"/>
+          </a:effectRef>
+          <a:fontRef idx="minor">
+            <a:schemeClr val="tx1"/>
+          </a:fontRef>
+        </p:style>
+      </p:cxnSp>
+      <p:sp>
+        <p:nvSpPr>
+          <p:cNvPr id="15" name="Titolo 1"/>
+          <p:cNvSpPr txBox="1">
+            <a:spLocks/>
+          </p:cNvSpPr>
+          <p:nvPr/>
+        </p:nvSpPr>
+        <p:spPr>
+          <a:xfrm>
+            <a:off x="1097785" y="5157192"/>
+            <a:ext cx="1800200" cy="474558"/>
+          </a:xfrm>
+          <a:prstGeom prst="rect">
+            <a:avLst/>
+          </a:prstGeom>
+        </p:spPr>
+        <p:txBody>
+          <a:bodyPr vert="horz" lIns="91440" tIns="45720" rIns="91440" bIns="45720" rtlCol="0" anchor="ctr">
+            <a:normAutofit/>
+          </a:bodyPr>
+          <a:lstStyle>
+            <a:lvl1pPr algn="ctr" defTabSz="914400" rtl="0" eaLnBrk="1" latinLnBrk="0" hangingPunct="1">
+              <a:spcBef>
+                <a:spcPct val="0"/>
+              </a:spcBef>
+              <a:buNone/>
+              <a:defRPr sz="4400" kern="1200">
+                <a:solidFill>
+                  <a:schemeClr val="tx1"/>
+                </a:solidFill>
+                <a:latin typeface="+mj-lt"/>
+                <a:ea typeface="+mj-ea"/>
+                <a:cs typeface="+mj-cs"/>
+              </a:defRPr>
+            </a:lvl1pPr>
+          </a:lstStyle>
+          <a:p>
+            <a:r>
+              <a:rPr lang="it-IT" sz="2400" dirty="0" err="1"/>
+              <a:t>ViewModel</a:t>
+            </a:r>
+            <a:endParaRPr lang="it-IT" sz="2400" dirty="0"/>
+          </a:p>
+        </p:txBody>
+      </p:sp>
+      <p:sp>
+        <p:nvSpPr>
+          <p:cNvPr id="16" name="Titolo 1"/>
+          <p:cNvSpPr txBox="1">
+            <a:spLocks/>
+          </p:cNvSpPr>
+          <p:nvPr/>
+        </p:nvSpPr>
+        <p:spPr>
+          <a:xfrm>
+            <a:off x="6180813" y="5157192"/>
+            <a:ext cx="841362" cy="474558"/>
+          </a:xfrm>
+          <a:prstGeom prst="rect">
+            <a:avLst/>
+          </a:prstGeom>
+        </p:spPr>
+        <p:txBody>
+          <a:bodyPr vert="horz" lIns="91440" tIns="45720" rIns="91440" bIns="45720" rtlCol="0" anchor="ctr">
+            <a:normAutofit/>
+          </a:bodyPr>
+          <a:lstStyle>
+            <a:lvl1pPr algn="ctr" defTabSz="914400" rtl="0" eaLnBrk="1" latinLnBrk="0" hangingPunct="1">
+              <a:spcBef>
+                <a:spcPct val="0"/>
+              </a:spcBef>
+              <a:buNone/>
+              <a:defRPr sz="4400" kern="1200">
+                <a:solidFill>
+                  <a:schemeClr val="tx1"/>
+                </a:solidFill>
+                <a:latin typeface="+mj-lt"/>
+                <a:ea typeface="+mj-ea"/>
+                <a:cs typeface="+mj-cs"/>
+              </a:defRPr>
+            </a:lvl1pPr>
+          </a:lstStyle>
+          <a:p>
+            <a:r>
+              <a:rPr lang="it-IT" sz="2400" dirty="0" err="1"/>
+              <a:t>View</a:t>
+            </a:r>
+            <a:endParaRPr lang="it-IT" sz="2400" dirty="0"/>
+          </a:p>
+        </p:txBody>
+      </p:sp>
+      <p:cxnSp>
+        <p:nvCxnSpPr>
+          <p:cNvPr id="18" name="Connettore 2 17"/>
+          <p:cNvCxnSpPr>
+            <a:stCxn id="15" idx="3"/>
+            <a:endCxn id="16" idx="1"/>
+          </p:cNvCxnSpPr>
+          <p:nvPr/>
+        </p:nvCxnSpPr>
+        <p:spPr>
+          <a:xfrm>
+            <a:off x="2897985" y="5394471"/>
+            <a:ext cx="3282828" cy="0"/>
+          </a:xfrm>
+          <a:prstGeom prst="straightConnector1">
+            <a:avLst/>
+          </a:prstGeom>
+          <a:ln>
+            <a:solidFill>
+              <a:srgbClr val="9B0014"/>
+            </a:solidFill>
+            <a:headEnd type="triangle"/>
+            <a:tailEnd type="triangle"/>
+          </a:ln>
+        </p:spPr>
+        <p:style>
+          <a:lnRef idx="1">
+            <a:schemeClr val="accent1"/>
+          </a:lnRef>
+          <a:fillRef idx="0">
+            <a:schemeClr val="accent1"/>
+          </a:fillRef>
+          <a:effectRef idx="0">
+            <a:schemeClr val="accent1"/>
+          </a:effectRef>
+          <a:fontRef idx="minor">
+            <a:schemeClr val="tx1"/>
+          </a:fontRef>
+        </p:style>
+      </p:cxnSp>
+      <p:sp>
+        <p:nvSpPr>
+          <p:cNvPr id="23" name="Titolo 1"/>
+          <p:cNvSpPr txBox="1">
+            <a:spLocks/>
+          </p:cNvSpPr>
+          <p:nvPr/>
+        </p:nvSpPr>
+        <p:spPr>
+          <a:xfrm>
+            <a:off x="3502363" y="5108827"/>
+            <a:ext cx="1800200" cy="398654"/>
+          </a:xfrm>
+          <a:prstGeom prst="rect">
+            <a:avLst/>
+          </a:prstGeom>
+        </p:spPr>
+        <p:txBody>
+          <a:bodyPr vert="horz" lIns="91440" tIns="45720" rIns="91440" bIns="45720" rtlCol="0" anchor="ctr">
+            <a:normAutofit/>
+          </a:bodyPr>
+          <a:lstStyle>
+            <a:lvl1pPr algn="ctr" defTabSz="914400" rtl="0" eaLnBrk="1" latinLnBrk="0" hangingPunct="1">
+              <a:spcBef>
+                <a:spcPct val="0"/>
+              </a:spcBef>
+              <a:buNone/>
+              <a:defRPr sz="4400" kern="1200">
+                <a:solidFill>
+                  <a:schemeClr val="tx1"/>
+                </a:solidFill>
+                <a:latin typeface="+mj-lt"/>
+                <a:ea typeface="+mj-ea"/>
+                <a:cs typeface="+mj-cs"/>
+              </a:defRPr>
+            </a:lvl1pPr>
+          </a:lstStyle>
+          <a:p>
+            <a:r>
+              <a:rPr lang="it-IT" sz="1600" dirty="0"/>
+              <a:t>Data-</a:t>
+            </a:r>
+            <a:r>
+              <a:rPr lang="it-IT" sz="1600" dirty="0" err="1"/>
+              <a:t>Binding</a:t>
+            </a:r>
+            <a:endParaRPr lang="it-IT" sz="1600" dirty="0"/>
+          </a:p>
+        </p:txBody>
+      </p:sp>
+    </p:spTree>
+    <p:extLst>
+      <p:ext uri="{BB962C8B-B14F-4D97-AF65-F5344CB8AC3E}">
+        <p14:creationId xmlns:p14="http://schemas.microsoft.com/office/powerpoint/2010/main" val="2378450561"/>
+      </p:ext>
+    </p:extLst>
+  </p:cSld>
+  <p:clrMapOvr>
+    <a:masterClrMapping/>
+  </p:clrMapOvr>
+</p:sld>
+</file>
+
 <file path=ppt/slides/slide2.xml><?xml version="1.0" encoding="utf-8"?>
 <p:sld xmlns:a="http://schemas.openxmlformats.org/drawingml/2006/main" xmlns:r="http://schemas.openxmlformats.org/officeDocument/2006/relationships" xmlns:p="http://schemas.openxmlformats.org/presentationml/2006/main">
   <p:cSld>
@@ -1875,8 +2500,8 @@
         </p:nvSpPr>
         <p:spPr>
           <a:xfrm>
-            <a:off x="899592" y="4149080"/>
-            <a:ext cx="4608512" cy="923330"/>
+            <a:off x="1043608" y="2780928"/>
+            <a:ext cx="7128792" cy="2400657"/>
           </a:xfrm>
           <a:prstGeom prst="rect">
             <a:avLst/>
@@ -1889,15 +2514,13 @@
           </a:bodyPr>
           <a:lstStyle/>
           <a:p>
-            <a:pPr marL="285750" indent="-285750">
+            <a:pPr algn="ctr">
               <a:buClr>
                 <a:srgbClr val="C00000"/>
               </a:buClr>
-              <a:buFont typeface="Wingdings" panose="05000000000000000000" pitchFamily="2" charset="2"/>
-              <a:buChar char="q"/>
             </a:pPr>
             <a:r>
-              <a:rPr lang="it-IT" dirty="0">
+              <a:rPr lang="it-IT" sz="3000" dirty="0">
                 <a:latin typeface="Segoe UI Light" panose="020B0502040204020203" pitchFamily="34" charset="0"/>
                 <a:cs typeface="Segoe UI Light" panose="020B0502040204020203" pitchFamily="34" charset="0"/>
               </a:rPr>
@@ -1905,15 +2528,24 @@
             </a:r>
           </a:p>
           <a:p>
-            <a:pPr marL="285750" indent="-285750">
+            <a:pPr algn="ctr">
               <a:buClr>
                 <a:srgbClr val="C00000"/>
               </a:buClr>
-              <a:buFont typeface="Wingdings" panose="05000000000000000000" pitchFamily="2" charset="2"/>
-              <a:buChar char="q"/>
             </a:pPr>
-            <a:r>
-              <a:rPr lang="it-IT" dirty="0">
+            <a:endParaRPr lang="it-IT" sz="3000" dirty="0">
+              <a:latin typeface="Segoe UI Light" panose="020B0502040204020203" pitchFamily="34" charset="0"/>
+              <a:cs typeface="Segoe UI Light" panose="020B0502040204020203" pitchFamily="34" charset="0"/>
+            </a:endParaRPr>
+          </a:p>
+          <a:p>
+            <a:pPr algn="ctr">
+              <a:buClr>
+                <a:srgbClr val="C00000"/>
+              </a:buClr>
+            </a:pPr>
+            <a:r>
+              <a:rPr lang="it-IT" sz="3000" dirty="0">
                 <a:latin typeface="Segoe UI Light" panose="020B0502040204020203" pitchFamily="34" charset="0"/>
                 <a:cs typeface="Segoe UI Light" panose="020B0502040204020203" pitchFamily="34" charset="0"/>
               </a:rPr>
@@ -1921,44 +2553,29 @@
             </a:r>
           </a:p>
           <a:p>
-            <a:pPr marL="285750" indent="-285750">
+            <a:pPr algn="ctr">
               <a:buClr>
                 <a:srgbClr val="C00000"/>
               </a:buClr>
-              <a:buFont typeface="Wingdings" panose="05000000000000000000" pitchFamily="2" charset="2"/>
-              <a:buChar char="q"/>
             </a:pPr>
-            <a:r>
-              <a:rPr lang="it-IT" dirty="0">
+            <a:endParaRPr lang="it-IT" sz="3000" dirty="0">
+              <a:latin typeface="Segoe UI Light" panose="020B0502040204020203" pitchFamily="34" charset="0"/>
+              <a:cs typeface="Segoe UI Light" panose="020B0502040204020203" pitchFamily="34" charset="0"/>
+            </a:endParaRPr>
+          </a:p>
+          <a:p>
+            <a:pPr algn="ctr">
+              <a:buClr>
+                <a:srgbClr val="C00000"/>
+              </a:buClr>
+            </a:pPr>
+            <a:r>
+              <a:rPr lang="it-IT" sz="3000" dirty="0">
                 <a:latin typeface="Segoe UI Light" panose="020B0502040204020203" pitchFamily="34" charset="0"/>
                 <a:cs typeface="Segoe UI Light" panose="020B0502040204020203" pitchFamily="34" charset="0"/>
               </a:rPr>
               <a:t>Assistenza post vendita</a:t>
             </a:r>
-          </a:p>
-        </p:txBody>
-      </p:sp>
-      <p:sp>
-        <p:nvSpPr>
-          <p:cNvPr id="14" name="Sottotitolo 13"/>
-          <p:cNvSpPr>
-            <a:spLocks noGrp="1"/>
-          </p:cNvSpPr>
-          <p:nvPr>
-            <p:ph type="subTitle" idx="1"/>
-          </p:nvPr>
-        </p:nvSpPr>
-        <p:spPr>
-          <a:xfrm>
-            <a:off x="1403648" y="2492896"/>
-            <a:ext cx="6120680" cy="1244734"/>
-          </a:xfrm>
-        </p:spPr>
-        <p:txBody>
-          <a:bodyPr/>
-          <a:lstStyle/>
-          <a:p>
-            <a:endParaRPr lang="it-IT" dirty="0"/>
           </a:p>
         </p:txBody>
       </p:sp>
@@ -2002,12 +2619,21 @@
             <p:ph type="ctrTitle"/>
           </p:nvPr>
         </p:nvSpPr>
-        <p:spPr/>
+        <p:spPr>
+          <a:xfrm>
+            <a:off x="683568" y="844149"/>
+            <a:ext cx="7772400" cy="965969"/>
+          </a:xfrm>
+        </p:spPr>
         <p:txBody>
           <a:bodyPr/>
           <a:lstStyle/>
           <a:p>
-            <a:endParaRPr lang="it-IT"/>
+            <a:r>
+              <a:rPr lang="it-IT" dirty="0" err="1"/>
+              <a:t>Plain.Rap.Mobile</a:t>
+            </a:r>
+            <a:endParaRPr lang="it-IT" dirty="0"/>
           </a:p>
         </p:txBody>
       </p:sp>
@@ -2021,12 +2647,77 @@
             <p:ph type="subTitle" idx="1"/>
           </p:nvPr>
         </p:nvSpPr>
-        <p:spPr/>
+        <p:spPr>
+          <a:xfrm>
+            <a:off x="564196" y="1988840"/>
+            <a:ext cx="8011144" cy="3555198"/>
+          </a:xfrm>
+        </p:spPr>
         <p:txBody>
-          <a:bodyPr/>
+          <a:bodyPr>
+            <a:noAutofit/>
+          </a:bodyPr>
           <a:lstStyle/>
           <a:p>
-            <a:endParaRPr lang="it-IT"/>
+            <a:r>
+              <a:rPr lang="it-IT" sz="2400" dirty="0">
+                <a:solidFill>
+                  <a:schemeClr val="tx1"/>
+                </a:solidFill>
+              </a:rPr>
+              <a:t>Software per la creazione e la gestione di rapportini firmabili</a:t>
+            </a:r>
+          </a:p>
+          <a:p>
+            <a:endParaRPr lang="it-IT" sz="2400" dirty="0">
+              <a:solidFill>
+                <a:schemeClr val="tx1"/>
+              </a:solidFill>
+            </a:endParaRPr>
+          </a:p>
+          <a:p>
+            <a:r>
+              <a:rPr lang="it-IT" sz="2400" dirty="0">
+                <a:solidFill>
+                  <a:schemeClr val="tx1"/>
+                </a:solidFill>
+              </a:rPr>
+              <a:t>Possibilità di utilizzo esclusivamente offline</a:t>
+            </a:r>
+          </a:p>
+          <a:p>
+            <a:endParaRPr lang="it-IT" sz="2400" dirty="0">
+              <a:solidFill>
+                <a:schemeClr val="tx1"/>
+              </a:solidFill>
+            </a:endParaRPr>
+          </a:p>
+          <a:p>
+            <a:r>
+              <a:rPr lang="it-IT" sz="2400" dirty="0">
+                <a:solidFill>
+                  <a:schemeClr val="tx1"/>
+                </a:solidFill>
+              </a:rPr>
+              <a:t>Sincronizzazione dei dati da un servizio predisposto</a:t>
+            </a:r>
+          </a:p>
+          <a:p>
+            <a:endParaRPr lang="it-IT" sz="2400" dirty="0">
+              <a:solidFill>
+                <a:schemeClr val="tx1"/>
+              </a:solidFill>
+            </a:endParaRPr>
+          </a:p>
+          <a:p>
+            <a:r>
+              <a:rPr lang="it-IT" sz="2400" dirty="0">
+                <a:solidFill>
+                  <a:schemeClr val="tx1"/>
+                </a:solidFill>
+              </a:rPr>
+              <a:t>Rendere la compilazione del rapportino veloce e sicura</a:t>
+            </a:r>
           </a:p>
         </p:txBody>
       </p:sp>
@@ -2070,12 +2761,774 @@
             <p:ph type="ctrTitle"/>
           </p:nvPr>
         </p:nvSpPr>
-        <p:spPr/>
+        <p:spPr>
+          <a:xfrm>
+            <a:off x="679531" y="909649"/>
+            <a:ext cx="7772400" cy="893961"/>
+          </a:xfrm>
+        </p:spPr>
         <p:txBody>
           <a:bodyPr/>
           <a:lstStyle/>
           <a:p>
-            <a:endParaRPr lang="it-IT"/>
+            <a:r>
+              <a:rPr lang="it-IT" dirty="0"/>
+              <a:t>Metodologia di sviluppo</a:t>
+            </a:r>
+          </a:p>
+        </p:txBody>
+      </p:sp>
+      <p:pic>
+        <p:nvPicPr>
+          <p:cNvPr id="7" name="Immagine 6"/>
+          <p:cNvPicPr>
+            <a:picLocks noChangeAspect="1"/>
+          </p:cNvPicPr>
+          <p:nvPr/>
+        </p:nvPicPr>
+        <p:blipFill>
+          <a:blip r:embed="rId2">
+            <a:extLst>
+              <a:ext uri="{28A0092B-C50C-407E-A947-70E740481C1C}">
+                <a14:useLocalDpi xmlns:a14="http://schemas.microsoft.com/office/drawing/2010/main" val="0"/>
+              </a:ext>
+            </a:extLst>
+          </a:blip>
+          <a:stretch>
+            <a:fillRect/>
+          </a:stretch>
+        </p:blipFill>
+        <p:spPr>
+          <a:xfrm>
+            <a:off x="2660731" y="1884040"/>
+            <a:ext cx="3810000" cy="1905000"/>
+          </a:xfrm>
+          <a:prstGeom prst="rect">
+            <a:avLst/>
+          </a:prstGeom>
+        </p:spPr>
+      </p:pic>
+      <p:pic>
+        <p:nvPicPr>
+          <p:cNvPr id="8" name="Immagine 7"/>
+          <p:cNvPicPr>
+            <a:picLocks noChangeAspect="1"/>
+          </p:cNvPicPr>
+          <p:nvPr/>
+        </p:nvPicPr>
+        <p:blipFill>
+          <a:blip r:embed="rId3" cstate="print">
+            <a:biLevel thresh="25000"/>
+            <a:extLst>
+              <a:ext uri="{28A0092B-C50C-407E-A947-70E740481C1C}">
+                <a14:useLocalDpi xmlns:a14="http://schemas.microsoft.com/office/drawing/2010/main" val="0"/>
+              </a:ext>
+            </a:extLst>
+          </a:blip>
+          <a:stretch>
+            <a:fillRect/>
+          </a:stretch>
+        </p:blipFill>
+        <p:spPr>
+          <a:xfrm>
+            <a:off x="2135715" y="3861048"/>
+            <a:ext cx="4860032" cy="1796099"/>
+          </a:xfrm>
+          <a:prstGeom prst="rect">
+            <a:avLst/>
+          </a:prstGeom>
+        </p:spPr>
+      </p:pic>
+    </p:spTree>
+    <p:extLst>
+      <p:ext uri="{BB962C8B-B14F-4D97-AF65-F5344CB8AC3E}">
+        <p14:creationId xmlns:p14="http://schemas.microsoft.com/office/powerpoint/2010/main" val="2536372457"/>
+      </p:ext>
+    </p:extLst>
+  </p:cSld>
+  <p:clrMapOvr>
+    <a:masterClrMapping/>
+  </p:clrMapOvr>
+</p:sld>
+</file>
+
+<file path=ppt/slides/slide5.xml><?xml version="1.0" encoding="utf-8"?>
+<p:sld xmlns:a="http://schemas.openxmlformats.org/drawingml/2006/main" xmlns:r="http://schemas.openxmlformats.org/officeDocument/2006/relationships" xmlns:p="http://schemas.openxmlformats.org/presentationml/2006/main">
+  <p:cSld>
+    <p:spTree>
+      <p:nvGrpSpPr>
+        <p:cNvPr id="1" name=""/>
+        <p:cNvGrpSpPr/>
+        <p:nvPr/>
+      </p:nvGrpSpPr>
+      <p:grpSpPr>
+        <a:xfrm>
+          <a:off x="0" y="0"/>
+          <a:ext cx="0" cy="0"/>
+          <a:chOff x="0" y="0"/>
+          <a:chExt cx="0" cy="0"/>
+        </a:xfrm>
+      </p:grpSpPr>
+      <p:sp>
+        <p:nvSpPr>
+          <p:cNvPr id="2" name="Titolo 1"/>
+          <p:cNvSpPr>
+            <a:spLocks noGrp="1"/>
+          </p:cNvSpPr>
+          <p:nvPr>
+            <p:ph type="ctrTitle"/>
+          </p:nvPr>
+        </p:nvSpPr>
+        <p:spPr>
+          <a:xfrm>
+            <a:off x="685800" y="764704"/>
+            <a:ext cx="7772400" cy="1035548"/>
+          </a:xfrm>
+        </p:spPr>
+        <p:txBody>
+          <a:bodyPr>
+            <a:normAutofit/>
+          </a:bodyPr>
+          <a:lstStyle/>
+          <a:p>
+            <a:r>
+              <a:rPr lang="it-IT" dirty="0"/>
+              <a:t>Analisi dei Requisiti</a:t>
+            </a:r>
+          </a:p>
+        </p:txBody>
+      </p:sp>
+      <p:pic>
+        <p:nvPicPr>
+          <p:cNvPr id="4" name="Immagine 3"/>
+          <p:cNvPicPr>
+            <a:picLocks noChangeAspect="1"/>
+          </p:cNvPicPr>
+          <p:nvPr/>
+        </p:nvPicPr>
+        <p:blipFill>
+          <a:blip r:embed="rId2">
+            <a:extLst>
+              <a:ext uri="{28A0092B-C50C-407E-A947-70E740481C1C}">
+                <a14:useLocalDpi xmlns:a14="http://schemas.microsoft.com/office/drawing/2010/main" val="0"/>
+              </a:ext>
+            </a:extLst>
+          </a:blip>
+          <a:stretch>
+            <a:fillRect/>
+          </a:stretch>
+        </p:blipFill>
+        <p:spPr>
+          <a:xfrm>
+            <a:off x="2445333" y="1844824"/>
+            <a:ext cx="4253334" cy="3811362"/>
+          </a:xfrm>
+          <a:prstGeom prst="rect">
+            <a:avLst/>
+          </a:prstGeom>
+        </p:spPr>
+      </p:pic>
+    </p:spTree>
+    <p:extLst>
+      <p:ext uri="{BB962C8B-B14F-4D97-AF65-F5344CB8AC3E}">
+        <p14:creationId xmlns:p14="http://schemas.microsoft.com/office/powerpoint/2010/main" val="1500191857"/>
+      </p:ext>
+    </p:extLst>
+  </p:cSld>
+  <p:clrMapOvr>
+    <a:masterClrMapping/>
+  </p:clrMapOvr>
+</p:sld>
+</file>
+
+<file path=ppt/slides/slide6.xml><?xml version="1.0" encoding="utf-8"?>
+<p:sld xmlns:a="http://schemas.openxmlformats.org/drawingml/2006/main" xmlns:r="http://schemas.openxmlformats.org/officeDocument/2006/relationships" xmlns:p="http://schemas.openxmlformats.org/presentationml/2006/main">
+  <p:cSld>
+    <p:spTree>
+      <p:nvGrpSpPr>
+        <p:cNvPr id="1" name=""/>
+        <p:cNvGrpSpPr/>
+        <p:nvPr/>
+      </p:nvGrpSpPr>
+      <p:grpSpPr>
+        <a:xfrm>
+          <a:off x="0" y="0"/>
+          <a:ext cx="0" cy="0"/>
+          <a:chOff x="0" y="0"/>
+          <a:chExt cx="0" cy="0"/>
+        </a:xfrm>
+      </p:grpSpPr>
+      <p:sp>
+        <p:nvSpPr>
+          <p:cNvPr id="4" name="Titolo 1"/>
+          <p:cNvSpPr>
+            <a:spLocks noGrp="1"/>
+          </p:cNvSpPr>
+          <p:nvPr>
+            <p:ph type="ctrTitle"/>
+          </p:nvPr>
+        </p:nvSpPr>
+        <p:spPr>
+          <a:xfrm>
+            <a:off x="685800" y="764704"/>
+            <a:ext cx="7772400" cy="1035548"/>
+          </a:xfrm>
+        </p:spPr>
+        <p:txBody>
+          <a:bodyPr>
+            <a:normAutofit/>
+          </a:bodyPr>
+          <a:lstStyle/>
+          <a:p>
+            <a:r>
+              <a:rPr lang="it-IT" dirty="0"/>
+              <a:t>Analisi dei Requisiti</a:t>
+            </a:r>
+          </a:p>
+        </p:txBody>
+      </p:sp>
+      <p:graphicFrame>
+        <p:nvGraphicFramePr>
+          <p:cNvPr id="6" name="Tabella 5"/>
+          <p:cNvGraphicFramePr>
+            <a:graphicFrameLocks noGrp="1"/>
+          </p:cNvGraphicFramePr>
+          <p:nvPr>
+            <p:extLst>
+              <p:ext uri="{D42A27DB-BD31-4B8C-83A1-F6EECF244321}">
+                <p14:modId xmlns:p14="http://schemas.microsoft.com/office/powerpoint/2010/main" val="3784443426"/>
+              </p:ext>
+            </p:extLst>
+          </p:nvPr>
+        </p:nvGraphicFramePr>
+        <p:xfrm>
+          <a:off x="1524000" y="2492896"/>
+          <a:ext cx="6096000" cy="1849120"/>
+        </p:xfrm>
+        <a:graphic>
+          <a:graphicData uri="http://schemas.openxmlformats.org/drawingml/2006/table">
+            <a:tbl>
+              <a:tblPr firstRow="1" bandRow="1">
+                <a:tableStyleId>{21E4AEA4-8DFA-4A89-87EB-49C32662AFE0}</a:tableStyleId>
+              </a:tblPr>
+              <a:tblGrid>
+                <a:gridCol w="2032000">
+                  <a:extLst>
+                    <a:ext uri="{9D8B030D-6E8A-4147-A177-3AD203B41FA5}">
+                      <a16:colId xmlns:a16="http://schemas.microsoft.com/office/drawing/2014/main" val="2912451959"/>
+                    </a:ext>
+                  </a:extLst>
+                </a:gridCol>
+                <a:gridCol w="2032000">
+                  <a:extLst>
+                    <a:ext uri="{9D8B030D-6E8A-4147-A177-3AD203B41FA5}">
+                      <a16:colId xmlns:a16="http://schemas.microsoft.com/office/drawing/2014/main" val="4081795949"/>
+                    </a:ext>
+                  </a:extLst>
+                </a:gridCol>
+                <a:gridCol w="2032000">
+                  <a:extLst>
+                    <a:ext uri="{9D8B030D-6E8A-4147-A177-3AD203B41FA5}">
+                      <a16:colId xmlns:a16="http://schemas.microsoft.com/office/drawing/2014/main" val="3128281385"/>
+                    </a:ext>
+                  </a:extLst>
+                </a:gridCol>
+              </a:tblGrid>
+              <a:tr h="365760">
+                <a:tc>
+                  <a:txBody>
+                    <a:bodyPr/>
+                    <a:lstStyle/>
+                    <a:p>
+                      <a:r>
+                        <a:rPr lang="it-IT" dirty="0"/>
+                        <a:t>Tipo</a:t>
+                      </a:r>
+                    </a:p>
+                  </a:txBody>
+                  <a:tcPr>
+                    <a:solidFill>
+                      <a:srgbClr val="9B0014"/>
+                    </a:solidFill>
+                  </a:tcPr>
+                </a:tc>
+                <a:tc>
+                  <a:txBody>
+                    <a:bodyPr/>
+                    <a:lstStyle/>
+                    <a:p>
+                      <a:r>
+                        <a:rPr lang="it-IT" dirty="0"/>
+                        <a:t>Obbligatorio</a:t>
+                      </a:r>
+                    </a:p>
+                  </a:txBody>
+                  <a:tcPr>
+                    <a:solidFill>
+                      <a:srgbClr val="9B0014"/>
+                    </a:solidFill>
+                  </a:tcPr>
+                </a:tc>
+                <a:tc>
+                  <a:txBody>
+                    <a:bodyPr/>
+                    <a:lstStyle/>
+                    <a:p>
+                      <a:r>
+                        <a:rPr lang="it-IT" dirty="0"/>
+                        <a:t>Desiderabile</a:t>
+                      </a:r>
+                    </a:p>
+                  </a:txBody>
+                  <a:tcPr>
+                    <a:solidFill>
+                      <a:srgbClr val="9B0014"/>
+                    </a:solidFill>
+                  </a:tcPr>
+                </a:tc>
+                <a:extLst>
+                  <a:ext uri="{0D108BD9-81ED-4DB2-BD59-A6C34878D82A}">
+                    <a16:rowId xmlns:a16="http://schemas.microsoft.com/office/drawing/2014/main" val="862961920"/>
+                  </a:ext>
+                </a:extLst>
+              </a:tr>
+              <a:tr h="370840">
+                <a:tc>
+                  <a:txBody>
+                    <a:bodyPr/>
+                    <a:lstStyle/>
+                    <a:p>
+                      <a:r>
+                        <a:rPr lang="it-IT" dirty="0"/>
+                        <a:t>Funzionale</a:t>
+                      </a:r>
+                    </a:p>
+                  </a:txBody>
+                  <a:tcPr/>
+                </a:tc>
+                <a:tc>
+                  <a:txBody>
+                    <a:bodyPr/>
+                    <a:lstStyle/>
+                    <a:p>
+                      <a:pPr algn="ctr"/>
+                      <a:r>
+                        <a:rPr lang="it-IT" dirty="0"/>
+                        <a:t>21</a:t>
+                      </a:r>
+                    </a:p>
+                  </a:txBody>
+                  <a:tcPr/>
+                </a:tc>
+                <a:tc>
+                  <a:txBody>
+                    <a:bodyPr/>
+                    <a:lstStyle/>
+                    <a:p>
+                      <a:pPr algn="ctr"/>
+                      <a:r>
+                        <a:rPr lang="it-IT" dirty="0"/>
+                        <a:t>7</a:t>
+                      </a:r>
+                    </a:p>
+                  </a:txBody>
+                  <a:tcPr/>
+                </a:tc>
+                <a:extLst>
+                  <a:ext uri="{0D108BD9-81ED-4DB2-BD59-A6C34878D82A}">
+                    <a16:rowId xmlns:a16="http://schemas.microsoft.com/office/drawing/2014/main" val="4008514884"/>
+                  </a:ext>
+                </a:extLst>
+              </a:tr>
+              <a:tr h="370840">
+                <a:tc>
+                  <a:txBody>
+                    <a:bodyPr/>
+                    <a:lstStyle/>
+                    <a:p>
+                      <a:r>
+                        <a:rPr lang="it-IT" dirty="0"/>
+                        <a:t>Di qualità</a:t>
+                      </a:r>
+                    </a:p>
+                  </a:txBody>
+                  <a:tcPr/>
+                </a:tc>
+                <a:tc>
+                  <a:txBody>
+                    <a:bodyPr/>
+                    <a:lstStyle/>
+                    <a:p>
+                      <a:pPr algn="ctr"/>
+                      <a:r>
+                        <a:rPr lang="it-IT" dirty="0"/>
+                        <a:t>5</a:t>
+                      </a:r>
+                    </a:p>
+                  </a:txBody>
+                  <a:tcPr/>
+                </a:tc>
+                <a:tc>
+                  <a:txBody>
+                    <a:bodyPr/>
+                    <a:lstStyle/>
+                    <a:p>
+                      <a:pPr algn="ctr"/>
+                      <a:r>
+                        <a:rPr lang="it-IT" dirty="0"/>
+                        <a:t>2</a:t>
+                      </a:r>
+                    </a:p>
+                  </a:txBody>
+                  <a:tcPr/>
+                </a:tc>
+                <a:extLst>
+                  <a:ext uri="{0D108BD9-81ED-4DB2-BD59-A6C34878D82A}">
+                    <a16:rowId xmlns:a16="http://schemas.microsoft.com/office/drawing/2014/main" val="2921941738"/>
+                  </a:ext>
+                </a:extLst>
+              </a:tr>
+              <a:tr h="370840">
+                <a:tc>
+                  <a:txBody>
+                    <a:bodyPr/>
+                    <a:lstStyle/>
+                    <a:p>
+                      <a:r>
+                        <a:rPr lang="it-IT" dirty="0"/>
+                        <a:t>Di interfacciamento</a:t>
+                      </a:r>
+                    </a:p>
+                  </a:txBody>
+                  <a:tcPr/>
+                </a:tc>
+                <a:tc>
+                  <a:txBody>
+                    <a:bodyPr/>
+                    <a:lstStyle/>
+                    <a:p>
+                      <a:pPr algn="ctr"/>
+                      <a:r>
+                        <a:rPr lang="it-IT" dirty="0"/>
+                        <a:t>2</a:t>
+                      </a:r>
+                    </a:p>
+                  </a:txBody>
+                  <a:tcPr/>
+                </a:tc>
+                <a:tc>
+                  <a:txBody>
+                    <a:bodyPr/>
+                    <a:lstStyle/>
+                    <a:p>
+                      <a:pPr algn="ctr"/>
+                      <a:r>
+                        <a:rPr lang="it-IT" dirty="0"/>
+                        <a:t>0</a:t>
+                      </a:r>
+                    </a:p>
+                  </a:txBody>
+                  <a:tcPr/>
+                </a:tc>
+                <a:extLst>
+                  <a:ext uri="{0D108BD9-81ED-4DB2-BD59-A6C34878D82A}">
+                    <a16:rowId xmlns:a16="http://schemas.microsoft.com/office/drawing/2014/main" val="1623113344"/>
+                  </a:ext>
+                </a:extLst>
+              </a:tr>
+              <a:tr h="370840">
+                <a:tc>
+                  <a:txBody>
+                    <a:bodyPr/>
+                    <a:lstStyle/>
+                    <a:p>
+                      <a:r>
+                        <a:rPr lang="it-IT" dirty="0"/>
+                        <a:t>Di vincolo</a:t>
+                      </a:r>
+                    </a:p>
+                  </a:txBody>
+                  <a:tcPr/>
+                </a:tc>
+                <a:tc>
+                  <a:txBody>
+                    <a:bodyPr/>
+                    <a:lstStyle/>
+                    <a:p>
+                      <a:pPr algn="ctr"/>
+                      <a:r>
+                        <a:rPr lang="it-IT" dirty="0"/>
+                        <a:t>9</a:t>
+                      </a:r>
+                    </a:p>
+                  </a:txBody>
+                  <a:tcPr/>
+                </a:tc>
+                <a:tc>
+                  <a:txBody>
+                    <a:bodyPr/>
+                    <a:lstStyle/>
+                    <a:p>
+                      <a:pPr algn="ctr"/>
+                      <a:r>
+                        <a:rPr lang="it-IT" dirty="0"/>
+                        <a:t>0</a:t>
+                      </a:r>
+                    </a:p>
+                  </a:txBody>
+                  <a:tcPr/>
+                </a:tc>
+                <a:extLst>
+                  <a:ext uri="{0D108BD9-81ED-4DB2-BD59-A6C34878D82A}">
+                    <a16:rowId xmlns:a16="http://schemas.microsoft.com/office/drawing/2014/main" val="3729641495"/>
+                  </a:ext>
+                </a:extLst>
+              </a:tr>
+            </a:tbl>
+          </a:graphicData>
+        </a:graphic>
+      </p:graphicFrame>
+    </p:spTree>
+    <p:extLst>
+      <p:ext uri="{BB962C8B-B14F-4D97-AF65-F5344CB8AC3E}">
+        <p14:creationId xmlns:p14="http://schemas.microsoft.com/office/powerpoint/2010/main" val="260927104"/>
+      </p:ext>
+    </p:extLst>
+  </p:cSld>
+  <p:clrMapOvr>
+    <a:masterClrMapping/>
+  </p:clrMapOvr>
+</p:sld>
+</file>
+
+<file path=ppt/slides/slide7.xml><?xml version="1.0" encoding="utf-8"?>
+<p:sld xmlns:a="http://schemas.openxmlformats.org/drawingml/2006/main" xmlns:r="http://schemas.openxmlformats.org/officeDocument/2006/relationships" xmlns:p="http://schemas.openxmlformats.org/presentationml/2006/main">
+  <p:cSld>
+    <p:spTree>
+      <p:nvGrpSpPr>
+        <p:cNvPr id="1" name=""/>
+        <p:cNvGrpSpPr/>
+        <p:nvPr/>
+      </p:nvGrpSpPr>
+      <p:grpSpPr>
+        <a:xfrm>
+          <a:off x="0" y="0"/>
+          <a:ext cx="0" cy="0"/>
+          <a:chOff x="0" y="0"/>
+          <a:chExt cx="0" cy="0"/>
+        </a:xfrm>
+      </p:grpSpPr>
+      <p:sp>
+        <p:nvSpPr>
+          <p:cNvPr id="2" name="Titolo 1"/>
+          <p:cNvSpPr>
+            <a:spLocks noGrp="1"/>
+          </p:cNvSpPr>
+          <p:nvPr>
+            <p:ph type="ctrTitle"/>
+          </p:nvPr>
+        </p:nvSpPr>
+        <p:spPr>
+          <a:xfrm>
+            <a:off x="683568" y="764704"/>
+            <a:ext cx="7772400" cy="1107556"/>
+          </a:xfrm>
+        </p:spPr>
+        <p:txBody>
+          <a:bodyPr/>
+          <a:lstStyle/>
+          <a:p>
+            <a:r>
+              <a:rPr lang="it-IT" dirty="0"/>
+              <a:t>Progettazione Architetturale</a:t>
+            </a:r>
+          </a:p>
+        </p:txBody>
+      </p:sp>
+      <p:pic>
+        <p:nvPicPr>
+          <p:cNvPr id="5" name="Immagine 4"/>
+          <p:cNvPicPr>
+            <a:picLocks noChangeAspect="1"/>
+          </p:cNvPicPr>
+          <p:nvPr/>
+        </p:nvPicPr>
+        <p:blipFill>
+          <a:blip r:embed="rId2">
+            <a:extLst>
+              <a:ext uri="{28A0092B-C50C-407E-A947-70E740481C1C}">
+                <a14:useLocalDpi xmlns:a14="http://schemas.microsoft.com/office/drawing/2010/main" val="0"/>
+              </a:ext>
+            </a:extLst>
+          </a:blip>
+          <a:stretch>
+            <a:fillRect/>
+          </a:stretch>
+        </p:blipFill>
+        <p:spPr>
+          <a:xfrm>
+            <a:off x="305780" y="2204864"/>
+            <a:ext cx="8532440" cy="2645982"/>
+          </a:xfrm>
+          <a:prstGeom prst="rect">
+            <a:avLst/>
+          </a:prstGeom>
+        </p:spPr>
+      </p:pic>
+    </p:spTree>
+    <p:extLst>
+      <p:ext uri="{BB962C8B-B14F-4D97-AF65-F5344CB8AC3E}">
+        <p14:creationId xmlns:p14="http://schemas.microsoft.com/office/powerpoint/2010/main" val="3482129139"/>
+      </p:ext>
+    </p:extLst>
+  </p:cSld>
+  <p:clrMapOvr>
+    <a:masterClrMapping/>
+  </p:clrMapOvr>
+</p:sld>
+</file>
+
+<file path=ppt/slides/slide8.xml><?xml version="1.0" encoding="utf-8"?>
+<p:sld xmlns:a="http://schemas.openxmlformats.org/drawingml/2006/main" xmlns:r="http://schemas.openxmlformats.org/officeDocument/2006/relationships" xmlns:p="http://schemas.openxmlformats.org/presentationml/2006/main">
+  <p:cSld>
+    <p:spTree>
+      <p:nvGrpSpPr>
+        <p:cNvPr id="1" name=""/>
+        <p:cNvGrpSpPr/>
+        <p:nvPr/>
+      </p:nvGrpSpPr>
+      <p:grpSpPr>
+        <a:xfrm>
+          <a:off x="0" y="0"/>
+          <a:ext cx="0" cy="0"/>
+          <a:chOff x="0" y="0"/>
+          <a:chExt cx="0" cy="0"/>
+        </a:xfrm>
+      </p:grpSpPr>
+      <p:pic>
+        <p:nvPicPr>
+          <p:cNvPr id="5" name="Immagine 4"/>
+          <p:cNvPicPr>
+            <a:picLocks noChangeAspect="1"/>
+          </p:cNvPicPr>
+          <p:nvPr/>
+        </p:nvPicPr>
+        <p:blipFill>
+          <a:blip r:embed="rId2" cstate="print">
+            <a:extLst>
+              <a:ext uri="{28A0092B-C50C-407E-A947-70E740481C1C}">
+                <a14:useLocalDpi xmlns:a14="http://schemas.microsoft.com/office/drawing/2010/main" val="0"/>
+              </a:ext>
+            </a:extLst>
+          </a:blip>
+          <a:stretch>
+            <a:fillRect/>
+          </a:stretch>
+        </p:blipFill>
+        <p:spPr>
+          <a:xfrm>
+            <a:off x="1743708" y="1772816"/>
+            <a:ext cx="5652120" cy="3853861"/>
+          </a:xfrm>
+          <a:prstGeom prst="rect">
+            <a:avLst/>
+          </a:prstGeom>
+        </p:spPr>
+      </p:pic>
+      <p:sp>
+        <p:nvSpPr>
+          <p:cNvPr id="7" name="Titolo 1"/>
+          <p:cNvSpPr>
+            <a:spLocks noGrp="1"/>
+          </p:cNvSpPr>
+          <p:nvPr>
+            <p:ph type="ctrTitle"/>
+          </p:nvPr>
+        </p:nvSpPr>
+        <p:spPr>
+          <a:xfrm>
+            <a:off x="683568" y="764704"/>
+            <a:ext cx="7772400" cy="1107556"/>
+          </a:xfrm>
+        </p:spPr>
+        <p:txBody>
+          <a:bodyPr/>
+          <a:lstStyle/>
+          <a:p>
+            <a:r>
+              <a:rPr lang="it-IT" dirty="0"/>
+              <a:t>Progettazione Architetturale</a:t>
+            </a:r>
+          </a:p>
+        </p:txBody>
+      </p:sp>
+    </p:spTree>
+    <p:extLst>
+      <p:ext uri="{BB962C8B-B14F-4D97-AF65-F5344CB8AC3E}">
+        <p14:creationId xmlns:p14="http://schemas.microsoft.com/office/powerpoint/2010/main" val="3080579866"/>
+      </p:ext>
+    </p:extLst>
+  </p:cSld>
+  <p:clrMapOvr>
+    <a:masterClrMapping/>
+  </p:clrMapOvr>
+</p:sld>
+</file>
+
+<file path=ppt/slides/slide9.xml><?xml version="1.0" encoding="utf-8"?>
+<p:sld xmlns:a="http://schemas.openxmlformats.org/drawingml/2006/main" xmlns:r="http://schemas.openxmlformats.org/officeDocument/2006/relationships" xmlns:p="http://schemas.openxmlformats.org/presentationml/2006/main">
+  <p:cSld>
+    <p:spTree>
+      <p:nvGrpSpPr>
+        <p:cNvPr id="1" name=""/>
+        <p:cNvGrpSpPr/>
+        <p:nvPr/>
+      </p:nvGrpSpPr>
+      <p:grpSpPr>
+        <a:xfrm>
+          <a:off x="0" y="0"/>
+          <a:ext cx="0" cy="0"/>
+          <a:chOff x="0" y="0"/>
+          <a:chExt cx="0" cy="0"/>
+        </a:xfrm>
+      </p:grpSpPr>
+      <p:sp>
+        <p:nvSpPr>
+          <p:cNvPr id="2" name="Titolo 1"/>
+          <p:cNvSpPr>
+            <a:spLocks noGrp="1"/>
+          </p:cNvSpPr>
+          <p:nvPr>
+            <p:ph type="ctrTitle"/>
+          </p:nvPr>
+        </p:nvSpPr>
+        <p:spPr>
+          <a:xfrm>
+            <a:off x="685800" y="980728"/>
+            <a:ext cx="7772400" cy="1107556"/>
+          </a:xfrm>
+        </p:spPr>
+        <p:txBody>
+          <a:bodyPr/>
+          <a:lstStyle/>
+          <a:p>
+            <a:r>
+              <a:rPr lang="it-IT" dirty="0"/>
+              <a:t>Model </a:t>
+            </a:r>
+            <a:r>
+              <a:rPr lang="it-IT" dirty="0" err="1"/>
+              <a:t>View</a:t>
+            </a:r>
+            <a:r>
+              <a:rPr lang="it-IT" dirty="0"/>
+              <a:t> </a:t>
+            </a:r>
+            <a:r>
+              <a:rPr lang="it-IT" dirty="0" err="1"/>
+              <a:t>ViewModel</a:t>
+            </a:r>
+            <a:endParaRPr lang="it-IT" dirty="0"/>
           </a:p>
         </p:txBody>
       </p:sp>
@@ -2089,19 +3542,86 @@
             <p:ph type="subTitle" idx="1"/>
           </p:nvPr>
         </p:nvSpPr>
-        <p:spPr/>
+        <p:spPr>
+          <a:xfrm>
+            <a:off x="1371600" y="4819600"/>
+            <a:ext cx="6400800" cy="913656"/>
+          </a:xfrm>
+        </p:spPr>
         <p:txBody>
-          <a:bodyPr/>
+          <a:bodyPr>
+            <a:normAutofit fontScale="55000" lnSpcReduction="20000"/>
+          </a:bodyPr>
           <a:lstStyle/>
           <a:p>
-            <a:endParaRPr lang="it-IT"/>
+            <a:r>
+              <a:rPr lang="it-IT" dirty="0"/>
+              <a:t>Separazione tra le componenti</a:t>
+            </a:r>
+          </a:p>
+          <a:p>
+            <a:r>
+              <a:rPr lang="it-IT" dirty="0"/>
+              <a:t>Estensibilità del codice</a:t>
+            </a:r>
+          </a:p>
+          <a:p>
+            <a:r>
+              <a:rPr lang="it-IT" dirty="0" err="1"/>
+              <a:t>Two</a:t>
+            </a:r>
+            <a:r>
+              <a:rPr lang="it-IT" dirty="0"/>
+              <a:t>-Way Data-</a:t>
+            </a:r>
+            <a:r>
+              <a:rPr lang="it-IT" dirty="0" err="1"/>
+              <a:t>Binding</a:t>
+            </a:r>
+            <a:r>
+              <a:rPr lang="it-IT" dirty="0"/>
+              <a:t> tra interfacce grafiche diverse</a:t>
+            </a:r>
+          </a:p>
+          <a:p>
+            <a:endParaRPr lang="it-IT" dirty="0"/>
           </a:p>
         </p:txBody>
       </p:sp>
+      <p:pic>
+        <p:nvPicPr>
+          <p:cNvPr id="4" name="Immagine 3"/>
+          <p:cNvPicPr>
+            <a:picLocks noChangeAspect="1"/>
+          </p:cNvPicPr>
+          <p:nvPr/>
+        </p:nvPicPr>
+        <p:blipFill>
+          <a:blip r:embed="rId2">
+            <a:extLst>
+              <a:ext uri="{28A0092B-C50C-407E-A947-70E740481C1C}">
+                <a14:useLocalDpi xmlns:a14="http://schemas.microsoft.com/office/drawing/2010/main" val="0"/>
+              </a:ext>
+            </a:extLst>
+          </a:blip>
+          <a:stretch>
+            <a:fillRect/>
+          </a:stretch>
+        </p:blipFill>
+        <p:spPr>
+          <a:xfrm>
+            <a:off x="1907704" y="2129975"/>
+            <a:ext cx="5328592" cy="2451153"/>
+          </a:xfrm>
+          <a:prstGeom prst="rect">
+            <a:avLst/>
+          </a:prstGeom>
+        </p:spPr>
+      </p:pic>
     </p:spTree>
     <p:extLst>
       <p:ext uri="{BB962C8B-B14F-4D97-AF65-F5344CB8AC3E}">
-        <p14:creationId xmlns:p14="http://schemas.microsoft.com/office/powerpoint/2010/main" val="2536372457"/>
+        <p14:creationId xmlns:p14="http://schemas.microsoft.com/office/powerpoint/2010/main" val="1079060577"/>
       </p:ext>
     </p:extLst>
   </p:cSld>
